--- a/Cancellation in JavaScript.pptx
+++ b/Cancellation in JavaScript.pptx
@@ -10204,7 +10204,23 @@
             </a:pPr>
             <a:r>
               <a:rPr lang="en"/>
-              <a:t>It’s may be useful for developing front-end workflows.</a:t>
+              <a:t>It’s </a:t>
+            </a:r>
+            <a:r>
+              <a:rPr b="1" lang="en"/>
+              <a:t>useful </a:t>
+            </a:r>
+            <a:r>
+              <a:rPr lang="en"/>
+              <a:t>for developing </a:t>
+            </a:r>
+            <a:r>
+              <a:rPr b="1" lang="en"/>
+              <a:t>front-end workflows</a:t>
+            </a:r>
+            <a:r>
+              <a:rPr lang="en"/>
+              <a:t>.</a:t>
             </a:r>
             <a:endParaRPr/>
           </a:p>
@@ -10221,7 +10237,15 @@
             </a:pPr>
             <a:r>
               <a:rPr lang="en"/>
-              <a:t>It may also improve the scalability of the back-end, by stopping pending operations which are no longer relevant.</a:t>
+              <a:t>It may </a:t>
+            </a:r>
+            <a:r>
+              <a:rPr b="1" lang="en"/>
+              <a:t>improve the scalability of the back-end</a:t>
+            </a:r>
+            <a:r>
+              <a:rPr lang="en"/>
+              <a:t>, by stopping pending operations which are no longer relevant.</a:t>
             </a:r>
             <a:endParaRPr/>
           </a:p>
@@ -10600,19 +10624,15 @@
               <a:buChar char="●"/>
             </a:pPr>
             <a:r>
+              <a:rPr b="1" i="1" lang="en" sz="1800"/>
+              <a:t>CancellationTokenSource </a:t>
+            </a:r>
+            <a:r>
               <a:rPr lang="en" sz="1800"/>
-              <a:t>The </a:t>
-            </a:r>
-            <a:r>
-              <a:rPr b="1" i="1" lang="en" sz="1800"/>
-              <a:t>CancellationTokenSource</a:t>
-            </a:r>
-            <a:r>
-              <a:rPr lang="en" sz="1800"/>
-              <a:t>. This is the producer part of the API, the code which triggers cancellation. It’s normally external to the asynchronous operation itself. The cancellation is requested via </a:t>
-            </a:r>
-            <a:r>
-              <a:rPr b="1" i="1" lang="en" sz="1800"/>
+              <a:t>class. This is the producer part of the API, the code which triggers cancellation. It’s normally external to the asynchronous operation itself. The cancellation is requested via </a:t>
+            </a:r>
+            <a:r>
+              <a:rPr i="1" lang="en" sz="1800"/>
               <a:t>CancellationTokenSource.cancel()</a:t>
             </a:r>
             <a:r>
@@ -10633,19 +10653,15 @@
               <a:buChar char="●"/>
             </a:pPr>
             <a:r>
+              <a:rPr b="1" i="1" lang="en" sz="1800"/>
+              <a:t>CancellationToken </a:t>
+            </a:r>
+            <a:r>
               <a:rPr lang="en" sz="1800"/>
-              <a:t>The </a:t>
-            </a:r>
-            <a:r>
-              <a:rPr b="1" i="1" lang="en" sz="1800"/>
-              <a:t>CancellationToken</a:t>
-            </a:r>
-            <a:r>
-              <a:rPr lang="en" sz="1800"/>
-              <a:t>. This is the consumer part of the API, returned by </a:t>
-            </a:r>
-            <a:r>
-              <a:rPr b="1" i="1" lang="en" sz="1800"/>
+              <a:t>struct. This is the consumer part of the API, returned by </a:t>
+            </a:r>
+            <a:r>
+              <a:rPr i="1" lang="en" sz="1800"/>
               <a:t>CancellationTokenSource.Token</a:t>
             </a:r>
             <a:r>
@@ -10665,10 +10681,6 @@
               <a:buSzPts val="1800"/>
               <a:buChar char="●"/>
             </a:pPr>
-            <a:r>
-              <a:rPr lang="en" sz="1800"/>
-              <a:t>A </a:t>
-            </a:r>
             <a:r>
               <a:rPr b="1" i="1" lang="en" sz="1800"/>
               <a:t>OperationCanceledException</a:t>
@@ -10813,152 +10825,152 @@
           </a:bodyPr>
           <a:lstStyle/>
           <a:p>
-            <a:pPr indent="-342900" lvl="0" marL="457200" rtl="0" algn="l">
-              <a:spcBef>
-                <a:spcPts val="0"/>
-              </a:spcBef>
-              <a:spcAft>
-                <a:spcPts val="0"/>
-              </a:spcAft>
-              <a:buSzPts val="1800"/>
+            <a:pPr indent="-336550" lvl="0" marL="457200" rtl="0" algn="l">
+              <a:spcBef>
+                <a:spcPts val="0"/>
+              </a:spcBef>
+              <a:spcAft>
+                <a:spcPts val="0"/>
+              </a:spcAft>
+              <a:buSzPts val="1700"/>
               <a:buChar char="●"/>
             </a:pPr>
             <a:r>
-              <a:rPr lang="en" sz="1800"/>
+              <a:rPr lang="en" sz="1700"/>
               <a:t>A </a:t>
             </a:r>
             <a:r>
-              <a:rPr i="1" lang="en" sz="1800"/>
+              <a:rPr i="1" lang="en" sz="1700"/>
               <a:t>cancellation token</a:t>
             </a:r>
             <a:r>
-              <a:rPr lang="en" sz="1800"/>
-              <a:t> lets the code conducting an long-running operation to observe the cancellation request and act upon it to end that operation.</a:t>
-            </a:r>
-            <a:endParaRPr sz="1800"/>
-          </a:p>
-          <a:p>
-            <a:pPr indent="-342900" lvl="0" marL="457200" rtl="0" algn="l">
-              <a:spcBef>
-                <a:spcPts val="0"/>
-              </a:spcBef>
-              <a:spcAft>
-                <a:spcPts val="0"/>
-              </a:spcAft>
-              <a:buSzPts val="1800"/>
+              <a:rPr lang="en" sz="1700"/>
+              <a:t> lets the code conducting a long-running operation to observe the cancellation request and act upon it to end such operation.</a:t>
+            </a:r>
+            <a:endParaRPr sz="1700"/>
+          </a:p>
+          <a:p>
+            <a:pPr indent="-336550" lvl="0" marL="457200" rtl="0" algn="l">
+              <a:spcBef>
+                <a:spcPts val="0"/>
+              </a:spcBef>
+              <a:spcAft>
+                <a:spcPts val="0"/>
+              </a:spcAft>
+              <a:buSzPts val="1700"/>
               <a:buChar char="●"/>
             </a:pPr>
             <a:r>
-              <a:rPr lang="en" sz="1800"/>
-              <a:t>We observe it via a callback registered with </a:t>
-            </a:r>
-            <a:r>
-              <a:rPr b="1" i="1" lang="en" sz="1800"/>
+              <a:rPr lang="en" sz="1700"/>
+              <a:t>We observe the request via a callback registered with </a:t>
+            </a:r>
+            <a:r>
+              <a:rPr b="1" i="1" lang="en" sz="1700"/>
               <a:t>CancellationToken.register()</a:t>
             </a:r>
-            <a:endParaRPr b="1" i="1" sz="1800"/>
-          </a:p>
-          <a:p>
-            <a:pPr indent="-342900" lvl="1" marL="914400" rtl="0" algn="l">
-              <a:spcBef>
-                <a:spcPts val="0"/>
-              </a:spcBef>
-              <a:spcAft>
-                <a:spcPts val="0"/>
-              </a:spcAft>
-              <a:buSzPts val="1800"/>
+            <a:endParaRPr b="1" i="1" sz="1700"/>
+          </a:p>
+          <a:p>
+            <a:pPr indent="-336550" lvl="1" marL="914400" rtl="0" algn="l">
+              <a:spcBef>
+                <a:spcPts val="0"/>
+              </a:spcBef>
+              <a:spcAft>
+                <a:spcPts val="0"/>
+              </a:spcAft>
+              <a:buSzPts val="1700"/>
               <a:buChar char="○"/>
             </a:pPr>
             <a:r>
-              <a:rPr b="1" lang="en" sz="1800"/>
+              <a:rPr b="1" lang="en" sz="1700"/>
               <a:t>Think of it as of </a:t>
             </a:r>
             <a:r>
-              <a:rPr b="1" i="1" lang="en" sz="1800"/>
+              <a:rPr b="1" i="1" lang="en" sz="1700"/>
               <a:t>addEventListener </a:t>
             </a:r>
             <a:r>
-              <a:rPr b="1" lang="en" sz="1800"/>
+              <a:rPr b="1" lang="en" sz="1700"/>
               <a:t>for a hypothetical </a:t>
             </a:r>
             <a:r>
-              <a:rPr b="1" i="1" lang="en" sz="1800"/>
+              <a:rPr b="1" i="1" lang="en" sz="1700"/>
               <a:t>cancel </a:t>
             </a:r>
             <a:r>
-              <a:rPr b="1" lang="en" sz="1800"/>
+              <a:rPr b="1" lang="en" sz="1700"/>
               <a:t>event.</a:t>
             </a:r>
-            <a:endParaRPr b="1" sz="1800"/>
-          </a:p>
-          <a:p>
-            <a:pPr indent="-342900" lvl="1" marL="914400" rtl="0" algn="l">
-              <a:spcBef>
-                <a:spcPts val="0"/>
-              </a:spcBef>
-              <a:spcAft>
-                <a:spcPts val="0"/>
-              </a:spcAft>
-              <a:buSzPts val="1800"/>
+            <a:endParaRPr b="1" sz="1700"/>
+          </a:p>
+          <a:p>
+            <a:pPr indent="-336550" lvl="1" marL="914400" rtl="0" algn="l">
+              <a:spcBef>
+                <a:spcPts val="0"/>
+              </a:spcBef>
+              <a:spcAft>
+                <a:spcPts val="0"/>
+              </a:spcAft>
+              <a:buSzPts val="1700"/>
               <a:buChar char="○"/>
             </a:pPr>
             <a:r>
-              <a:rPr lang="en" sz="1800"/>
+              <a:rPr lang="en" sz="1700"/>
               <a:t>Back to our Autocomplete example, that’s where we may want to call </a:t>
             </a:r>
             <a:r>
-              <a:rPr i="1" lang="en" sz="1800"/>
+              <a:rPr i="1" lang="en" sz="1700"/>
               <a:t>clearTimer()</a:t>
             </a:r>
             <a:r>
-              <a:rPr lang="en" sz="1800"/>
+              <a:rPr lang="en" sz="1700"/>
               <a:t> and reject the delay promise, or call </a:t>
             </a:r>
             <a:r>
-              <a:rPr i="1" lang="en" sz="1800"/>
+              <a:rPr i="1" lang="en" sz="1700"/>
               <a:t>AbortController.abort()</a:t>
             </a:r>
             <a:r>
-              <a:rPr lang="en" sz="1800"/>
+              <a:rPr lang="en" sz="1700"/>
               <a:t> to cause the rejection of the </a:t>
             </a:r>
             <a:r>
-              <a:rPr i="1" lang="en" sz="1800"/>
+              <a:rPr i="1" lang="en" sz="1700"/>
               <a:t>fetch </a:t>
             </a:r>
             <a:r>
-              <a:rPr lang="en" sz="1800"/>
+              <a:rPr lang="en" sz="1700"/>
               <a:t>promise.</a:t>
             </a:r>
-            <a:endParaRPr sz="1800"/>
-          </a:p>
-          <a:p>
-            <a:pPr indent="-342900" lvl="0" marL="457200" rtl="0" algn="l">
-              <a:spcBef>
-                <a:spcPts val="0"/>
-              </a:spcBef>
-              <a:spcAft>
-                <a:spcPts val="0"/>
-              </a:spcAft>
-              <a:buSzPts val="1800"/>
+            <a:endParaRPr sz="1700"/>
+          </a:p>
+          <a:p>
+            <a:pPr indent="-336550" lvl="0" marL="457200" rtl="0" algn="l">
+              <a:spcBef>
+                <a:spcPts val="0"/>
+              </a:spcBef>
+              <a:spcAft>
+                <a:spcPts val="0"/>
+              </a:spcAft>
+              <a:buSzPts val="1700"/>
               <a:buChar char="●"/>
             </a:pPr>
             <a:r>
-              <a:rPr lang="en" sz="1800"/>
+              <a:rPr lang="en" sz="1700"/>
               <a:t>On tight loops, we may want to call </a:t>
             </a:r>
             <a:r>
-              <a:rPr b="1" i="1" lang="en" sz="1800"/>
+              <a:rPr b="1" i="1" lang="en" sz="1700"/>
               <a:t>CancellationToken.ThrowIfCancellationRequested()</a:t>
             </a:r>
             <a:r>
-              <a:rPr lang="en" sz="1800"/>
+              <a:rPr lang="en" sz="1700"/>
               <a:t> to poll for a cancellation requests.</a:t>
             </a:r>
             <a:br>
-              <a:rPr lang="en" sz="1800"/>
+              <a:rPr lang="en" sz="1700"/>
             </a:br>
-            <a:endParaRPr sz="1800"/>
+            <a:endParaRPr sz="1700"/>
           </a:p>
         </p:txBody>
       </p:sp>
@@ -11356,7 +11368,19 @@
                 <a:cs typeface="Roboto"/>
                 <a:sym typeface="Roboto"/>
               </a:rPr>
-              <a:t>library that already implements the .NET model for JavaScript, and I’ve found one: </a:t>
+              <a:t>library that already implements the .NET model for JavaScript</a:t>
+            </a:r>
+            <a:r>
+              <a:rPr lang="en" sz="1800">
+                <a:solidFill>
+                  <a:schemeClr val="lt2"/>
+                </a:solidFill>
+                <a:latin typeface="Roboto"/>
+                <a:ea typeface="Roboto"/>
+                <a:cs typeface="Roboto"/>
+                <a:sym typeface="Roboto"/>
+              </a:rPr>
+              <a:t>, and I’ve found one: </a:t>
             </a:r>
             <a:r>
               <a:rPr b="1" lang="en" sz="1800" u="sng">
